--- a/修論/本文0105/figure/fig_3_2_10QW_ridge_IL.pptx
+++ b/修論/本文0105/figure/fig_3_2_10QW_ridge_IL.pptx
@@ -270,7 +270,7 @@
           <a:p>
             <a:fld id="{7B2C231C-A4B7-694E-AAA8-A398016C186A}" type="datetimeFigureOut">
               <a:rPr kumimoji="1" lang="ja-JP" altLang="en-US" smtClean="0"/>
-              <a:t>2019/1/4</a:t>
+              <a:t>2019/1/8</a:t>
             </a:fld>
             <a:endParaRPr kumimoji="1" lang="ja-JP" altLang="en-US"/>
           </a:p>
@@ -475,7 +475,7 @@
           <a:p>
             <a:fld id="{7B2C231C-A4B7-694E-AAA8-A398016C186A}" type="datetimeFigureOut">
               <a:rPr kumimoji="1" lang="ja-JP" altLang="en-US" smtClean="0"/>
-              <a:t>2019/1/4</a:t>
+              <a:t>2019/1/8</a:t>
             </a:fld>
             <a:endParaRPr kumimoji="1" lang="ja-JP" altLang="en-US"/>
           </a:p>
@@ -690,7 +690,7 @@
           <a:p>
             <a:fld id="{7B2C231C-A4B7-694E-AAA8-A398016C186A}" type="datetimeFigureOut">
               <a:rPr kumimoji="1" lang="ja-JP" altLang="en-US" smtClean="0"/>
-              <a:t>2019/1/4</a:t>
+              <a:t>2019/1/8</a:t>
             </a:fld>
             <a:endParaRPr kumimoji="1" lang="ja-JP" altLang="en-US"/>
           </a:p>
@@ -895,7 +895,7 @@
           <a:p>
             <a:fld id="{7B2C231C-A4B7-694E-AAA8-A398016C186A}" type="datetimeFigureOut">
               <a:rPr kumimoji="1" lang="ja-JP" altLang="en-US" smtClean="0"/>
-              <a:t>2019/1/4</a:t>
+              <a:t>2019/1/8</a:t>
             </a:fld>
             <a:endParaRPr kumimoji="1" lang="ja-JP" altLang="en-US"/>
           </a:p>
@@ -1205,7 +1205,7 @@
           <a:p>
             <a:fld id="{7B2C231C-A4B7-694E-AAA8-A398016C186A}" type="datetimeFigureOut">
               <a:rPr kumimoji="1" lang="ja-JP" altLang="en-US" smtClean="0"/>
-              <a:t>2019/1/4</a:t>
+              <a:t>2019/1/8</a:t>
             </a:fld>
             <a:endParaRPr kumimoji="1" lang="ja-JP" altLang="en-US"/>
           </a:p>
@@ -1484,7 +1484,7 @@
           <a:p>
             <a:fld id="{7B2C231C-A4B7-694E-AAA8-A398016C186A}" type="datetimeFigureOut">
               <a:rPr kumimoji="1" lang="ja-JP" altLang="en-US" smtClean="0"/>
-              <a:t>2019/1/4</a:t>
+              <a:t>2019/1/8</a:t>
             </a:fld>
             <a:endParaRPr kumimoji="1" lang="ja-JP" altLang="en-US"/>
           </a:p>
@@ -1980,7 +1980,7 @@
           <a:p>
             <a:fld id="{7B2C231C-A4B7-694E-AAA8-A398016C186A}" type="datetimeFigureOut">
               <a:rPr kumimoji="1" lang="ja-JP" altLang="en-US" smtClean="0"/>
-              <a:t>2019/1/4</a:t>
+              <a:t>2019/1/8</a:t>
             </a:fld>
             <a:endParaRPr kumimoji="1" lang="ja-JP" altLang="en-US"/>
           </a:p>
@@ -2121,7 +2121,7 @@
           <a:p>
             <a:fld id="{7B2C231C-A4B7-694E-AAA8-A398016C186A}" type="datetimeFigureOut">
               <a:rPr kumimoji="1" lang="ja-JP" altLang="en-US" smtClean="0"/>
-              <a:t>2019/1/4</a:t>
+              <a:t>2019/1/8</a:t>
             </a:fld>
             <a:endParaRPr kumimoji="1" lang="ja-JP" altLang="en-US"/>
           </a:p>
@@ -2234,7 +2234,7 @@
           <a:p>
             <a:fld id="{7B2C231C-A4B7-694E-AAA8-A398016C186A}" type="datetimeFigureOut">
               <a:rPr kumimoji="1" lang="ja-JP" altLang="en-US" smtClean="0"/>
-              <a:t>2019/1/4</a:t>
+              <a:t>2019/1/8</a:t>
             </a:fld>
             <a:endParaRPr kumimoji="1" lang="ja-JP" altLang="en-US"/>
           </a:p>
@@ -2587,7 +2587,7 @@
           <a:p>
             <a:fld id="{7B2C231C-A4B7-694E-AAA8-A398016C186A}" type="datetimeFigureOut">
               <a:rPr kumimoji="1" lang="ja-JP" altLang="en-US" smtClean="0"/>
-              <a:t>2019/1/4</a:t>
+              <a:t>2019/1/8</a:t>
             </a:fld>
             <a:endParaRPr kumimoji="1" lang="ja-JP" altLang="en-US"/>
           </a:p>
@@ -2910,7 +2910,7 @@
           <a:p>
             <a:fld id="{7B2C231C-A4B7-694E-AAA8-A398016C186A}" type="datetimeFigureOut">
               <a:rPr kumimoji="1" lang="ja-JP" altLang="en-US" smtClean="0"/>
-              <a:t>2019/1/4</a:t>
+              <a:t>2019/1/8</a:t>
             </a:fld>
             <a:endParaRPr kumimoji="1" lang="ja-JP" altLang="en-US"/>
           </a:p>
@@ -3158,7 +3158,7 @@
           <a:p>
             <a:fld id="{7B2C231C-A4B7-694E-AAA8-A398016C186A}" type="datetimeFigureOut">
               <a:rPr kumimoji="1" lang="ja-JP" altLang="en-US" smtClean="0"/>
-              <a:t>2019/1/4</a:t>
+              <a:t>2019/1/8</a:t>
             </a:fld>
             <a:endParaRPr kumimoji="1" lang="ja-JP" altLang="en-US"/>
           </a:p>
@@ -3649,10 +3649,10 @@
       </p:sp>
       <p:pic>
         <p:nvPicPr>
-          <p:cNvPr id="4" name="図 3">
-            <a:extLst>
-              <a:ext uri="{FF2B5EF4-FFF2-40B4-BE49-F238E27FC236}">
-                <a16:creationId xmlns:a16="http://schemas.microsoft.com/office/drawing/2014/main" id="{8E4336E1-FE3F-4D49-9FC3-39BE550A569C}"/>
+          <p:cNvPr id="6" name="図 5">
+            <a:extLst>
+              <a:ext uri="{FF2B5EF4-FFF2-40B4-BE49-F238E27FC236}">
+                <a16:creationId xmlns:a16="http://schemas.microsoft.com/office/drawing/2014/main" id="{41253841-506C-48FC-8F86-9C2DE2C0E06B}"/>
               </a:ext>
             </a:extLst>
           </p:cNvPr>
@@ -3669,8 +3669,8 @@
         </p:blipFill>
         <p:spPr>
           <a:xfrm>
-            <a:off x="1536532" y="1679339"/>
-            <a:ext cx="4699414" cy="3499322"/>
+            <a:off x="6337714" y="1679339"/>
+            <a:ext cx="4585054" cy="3499322"/>
           </a:xfrm>
           <a:prstGeom prst="rect">
             <a:avLst/>
@@ -3679,10 +3679,10 @@
       </p:pic>
       <p:pic>
         <p:nvPicPr>
-          <p:cNvPr id="6" name="図 5">
-            <a:extLst>
-              <a:ext uri="{FF2B5EF4-FFF2-40B4-BE49-F238E27FC236}">
-                <a16:creationId xmlns:a16="http://schemas.microsoft.com/office/drawing/2014/main" id="{41253841-506C-48FC-8F86-9C2DE2C0E06B}"/>
+          <p:cNvPr id="2" name="図 1">
+            <a:extLst>
+              <a:ext uri="{FF2B5EF4-FFF2-40B4-BE49-F238E27FC236}">
+                <a16:creationId xmlns:a16="http://schemas.microsoft.com/office/drawing/2014/main" id="{1E019AF8-4901-46AB-A5F6-9369FCFB0F2B}"/>
               </a:ext>
             </a:extLst>
           </p:cNvPr>
@@ -3699,8 +3699,8 @@
         </p:blipFill>
         <p:spPr>
           <a:xfrm>
-            <a:off x="6337714" y="1679339"/>
-            <a:ext cx="4585054" cy="3499322"/>
+            <a:off x="1650755" y="1679339"/>
+            <a:ext cx="4699414" cy="3499322"/>
           </a:xfrm>
           <a:prstGeom prst="rect">
             <a:avLst/>
